--- a/usb_update/USB設備自動掛載與通知.pptx
+++ b/usb_update/USB設備自動掛載與通知.pptx
@@ -272,7 +272,7 @@
           <a:p>
             <a:fld id="{C08A53D1-2B52-4152-B121-5F942F21A698}" type="datetimeFigureOut">
               <a:rPr lang="zh-TW" altLang="en-US" smtClean="0"/>
-              <a:t>2024/11/25</a:t>
+              <a:t>2024/11/29</a:t>
             </a:fld>
             <a:endParaRPr lang="zh-TW" altLang="en-US"/>
           </a:p>
@@ -470,7 +470,7 @@
           <a:p>
             <a:fld id="{C08A53D1-2B52-4152-B121-5F942F21A698}" type="datetimeFigureOut">
               <a:rPr lang="zh-TW" altLang="en-US" smtClean="0"/>
-              <a:t>2024/11/25</a:t>
+              <a:t>2024/11/29</a:t>
             </a:fld>
             <a:endParaRPr lang="zh-TW" altLang="en-US"/>
           </a:p>
@@ -678,7 +678,7 @@
           <a:p>
             <a:fld id="{C08A53D1-2B52-4152-B121-5F942F21A698}" type="datetimeFigureOut">
               <a:rPr lang="zh-TW" altLang="en-US" smtClean="0"/>
-              <a:t>2024/11/25</a:t>
+              <a:t>2024/11/29</a:t>
             </a:fld>
             <a:endParaRPr lang="zh-TW" altLang="en-US"/>
           </a:p>
@@ -876,7 +876,7 @@
           <a:p>
             <a:fld id="{C08A53D1-2B52-4152-B121-5F942F21A698}" type="datetimeFigureOut">
               <a:rPr lang="zh-TW" altLang="en-US" smtClean="0"/>
-              <a:t>2024/11/25</a:t>
+              <a:t>2024/11/29</a:t>
             </a:fld>
             <a:endParaRPr lang="zh-TW" altLang="en-US"/>
           </a:p>
@@ -1151,7 +1151,7 @@
           <a:p>
             <a:fld id="{C08A53D1-2B52-4152-B121-5F942F21A698}" type="datetimeFigureOut">
               <a:rPr lang="zh-TW" altLang="en-US" smtClean="0"/>
-              <a:t>2024/11/25</a:t>
+              <a:t>2024/11/29</a:t>
             </a:fld>
             <a:endParaRPr lang="zh-TW" altLang="en-US"/>
           </a:p>
@@ -1416,7 +1416,7 @@
           <a:p>
             <a:fld id="{C08A53D1-2B52-4152-B121-5F942F21A698}" type="datetimeFigureOut">
               <a:rPr lang="zh-TW" altLang="en-US" smtClean="0"/>
-              <a:t>2024/11/25</a:t>
+              <a:t>2024/11/29</a:t>
             </a:fld>
             <a:endParaRPr lang="zh-TW" altLang="en-US"/>
           </a:p>
@@ -1828,7 +1828,7 @@
           <a:p>
             <a:fld id="{C08A53D1-2B52-4152-B121-5F942F21A698}" type="datetimeFigureOut">
               <a:rPr lang="zh-TW" altLang="en-US" smtClean="0"/>
-              <a:t>2024/11/25</a:t>
+              <a:t>2024/11/29</a:t>
             </a:fld>
             <a:endParaRPr lang="zh-TW" altLang="en-US"/>
           </a:p>
@@ -1969,7 +1969,7 @@
           <a:p>
             <a:fld id="{C08A53D1-2B52-4152-B121-5F942F21A698}" type="datetimeFigureOut">
               <a:rPr lang="zh-TW" altLang="en-US" smtClean="0"/>
-              <a:t>2024/11/25</a:t>
+              <a:t>2024/11/29</a:t>
             </a:fld>
             <a:endParaRPr lang="zh-TW" altLang="en-US"/>
           </a:p>
@@ -2082,7 +2082,7 @@
           <a:p>
             <a:fld id="{C08A53D1-2B52-4152-B121-5F942F21A698}" type="datetimeFigureOut">
               <a:rPr lang="zh-TW" altLang="en-US" smtClean="0"/>
-              <a:t>2024/11/25</a:t>
+              <a:t>2024/11/29</a:t>
             </a:fld>
             <a:endParaRPr lang="zh-TW" altLang="en-US"/>
           </a:p>
@@ -2393,7 +2393,7 @@
           <a:p>
             <a:fld id="{C08A53D1-2B52-4152-B121-5F942F21A698}" type="datetimeFigureOut">
               <a:rPr lang="zh-TW" altLang="en-US" smtClean="0"/>
-              <a:t>2024/11/25</a:t>
+              <a:t>2024/11/29</a:t>
             </a:fld>
             <a:endParaRPr lang="zh-TW" altLang="en-US"/>
           </a:p>
@@ -2681,7 +2681,7 @@
           <a:p>
             <a:fld id="{C08A53D1-2B52-4152-B121-5F942F21A698}" type="datetimeFigureOut">
               <a:rPr lang="zh-TW" altLang="en-US" smtClean="0"/>
-              <a:t>2024/11/25</a:t>
+              <a:t>2024/11/29</a:t>
             </a:fld>
             <a:endParaRPr lang="zh-TW" altLang="en-US"/>
           </a:p>
@@ -2922,7 +2922,7 @@
           <a:p>
             <a:fld id="{C08A53D1-2B52-4152-B121-5F942F21A698}" type="datetimeFigureOut">
               <a:rPr lang="zh-TW" altLang="en-US" smtClean="0"/>
-              <a:t>2024/11/25</a:t>
+              <a:t>2024/11/29</a:t>
             </a:fld>
             <a:endParaRPr lang="zh-TW" altLang="en-US"/>
           </a:p>
@@ -3566,7 +3566,7 @@
             </a:pPr>
             <a:r>
               <a:rPr lang="zh-CN" altLang="en-US" sz="1800" dirty="0"/>
-              <a:t>提供進程管理和監控</a:t>
+              <a:t>可以被系統監控和管理</a:t>
             </a:r>
             <a:endParaRPr lang="en-US" altLang="zh-CN" sz="1800" dirty="0"/>
           </a:p>
@@ -6641,7 +6641,11 @@
             </a:r>
             <a:r>
               <a:rPr lang="zh-CN" altLang="en-US" sz="1800" dirty="0"/>
-              <a:t>，允许不同的进程通过管道进行数据交换。</a:t>
+              <a:t>，</a:t>
+            </a:r>
+            <a:r>
+              <a:rPr lang="zh-TW" altLang="en-US" sz="1800" dirty="0"/>
+              <a:t>允許不同的進程通過管道進行數據交換。</a:t>
             </a:r>
             <a:endParaRPr lang="en-US" altLang="zh-CN" sz="1800" dirty="0"/>
           </a:p>
